--- a/Git_Major.pptx
+++ b/Git_Major.pptx
@@ -22,9 +22,9 @@
     <p:sldId id="256" r:id="rId13"/>
     <p:sldId id="257" r:id="rId14"/>
     <p:sldId id="258" r:id="rId15"/>
-    <p:sldId id="259" r:id="rId16"/>
-    <p:sldId id="260" r:id="rId17"/>
-    <p:sldId id="261" r:id="rId18"/>
+    <p:sldId id="260" r:id="rId16"/>
+    <p:sldId id="261" r:id="rId17"/>
+    <p:sldId id="259" r:id="rId18"/>
     <p:sldId id="263" r:id="rId19"/>
     <p:sldId id="262" r:id="rId20"/>
     <p:sldId id="264" r:id="rId21"/>
@@ -22876,6 +22876,448 @@
   <p:cSld>
     <p:spTree>
       <p:nvGrpSpPr>
+        <p:cNvPr id="1" name=""/>
+        <p:cNvGrpSpPr/>
+        <p:nvPr/>
+      </p:nvGrpSpPr>
+      <p:grpSpPr>
+        <a:xfrm>
+          <a:off x="0" y="0"/>
+          <a:ext cx="0" cy="0"/>
+          <a:chOff x="0" y="0"/>
+          <a:chExt cx="0" cy="0"/>
+        </a:xfrm>
+      </p:grpSpPr>
+      <p:sp>
+        <p:nvSpPr>
+          <p:cNvPr id="2" name="Title 1">
+            <a:extLst>
+              <a:ext uri="{FF2B5EF4-FFF2-40B4-BE49-F238E27FC236}">
+                <a16:creationId xmlns:a16="http://schemas.microsoft.com/office/drawing/2014/main" xmlns="" id="{D7552995-154E-40D1-B46E-F9DE6227D3F7}"/>
+              </a:ext>
+            </a:extLst>
+          </p:cNvPr>
+          <p:cNvSpPr>
+            <a:spLocks noGrp="1"/>
+          </p:cNvSpPr>
+          <p:nvPr>
+            <p:ph type="title"/>
+          </p:nvPr>
+        </p:nvSpPr>
+        <p:spPr>
+          <a:xfrm>
+            <a:off x="381000" y="514350"/>
+            <a:ext cx="8520600" cy="572700"/>
+          </a:xfrm>
+        </p:spPr>
+        <p:txBody>
+          <a:bodyPr>
+            <a:noAutofit/>
+          </a:bodyPr>
+          <a:lstStyle/>
+          <a:p>
+            <a:pPr algn="l"/>
+            <a:r>
+              <a:rPr lang="en-US" sz="3600" b="1" dirty="0">
+                <a:latin typeface="Times New Roman" panose="02020603050405020304" pitchFamily="18" charset="0"/>
+                <a:cs typeface="Times New Roman" panose="02020603050405020304" pitchFamily="18" charset="0"/>
+              </a:rPr>
+              <a:t>Functional requirements</a:t>
+            </a:r>
+            <a:endParaRPr lang="en-IN" sz="3600" b="1" dirty="0">
+              <a:latin typeface="Times New Roman" panose="02020603050405020304" pitchFamily="18" charset="0"/>
+              <a:cs typeface="Times New Roman" panose="02020603050405020304" pitchFamily="18" charset="0"/>
+            </a:endParaRPr>
+          </a:p>
+        </p:txBody>
+      </p:sp>
+      <p:sp>
+        <p:nvSpPr>
+          <p:cNvPr id="3" name="Text Placeholder 2">
+            <a:extLst>
+              <a:ext uri="{FF2B5EF4-FFF2-40B4-BE49-F238E27FC236}">
+                <a16:creationId xmlns:a16="http://schemas.microsoft.com/office/drawing/2014/main" xmlns="" id="{218B2FCB-D741-4B21-A7EE-DBC61F05B686}"/>
+              </a:ext>
+            </a:extLst>
+          </p:cNvPr>
+          <p:cNvSpPr>
+            <a:spLocks noGrp="1"/>
+          </p:cNvSpPr>
+          <p:nvPr>
+            <p:ph type="body" idx="1"/>
+          </p:nvPr>
+        </p:nvSpPr>
+        <p:spPr>
+          <a:xfrm>
+            <a:off x="623400" y="1352550"/>
+            <a:ext cx="8368200" cy="3254424"/>
+          </a:xfrm>
+        </p:spPr>
+        <p:txBody>
+          <a:bodyPr>
+            <a:normAutofit lnSpcReduction="10000"/>
+          </a:bodyPr>
+          <a:lstStyle/>
+          <a:p>
+            <a:pPr algn="just" rtl="0" fontAlgn="base">
+              <a:spcBef>
+                <a:spcPts val="1200"/>
+              </a:spcBef>
+              <a:spcAft>
+                <a:spcPts val="0"/>
+              </a:spcAft>
+              <a:buFont typeface="+mj-lt"/>
+              <a:buAutoNum type="arabicPeriod"/>
+            </a:pPr>
+            <a:r>
+              <a:rPr lang="en-US" sz="2000" b="0" i="0" u="none" strike="noStrike" dirty="0" smtClean="0">
+                <a:effectLst/>
+                <a:latin typeface="Times New Roman" panose="02020603050405020304" pitchFamily="18" charset="0"/>
+              </a:rPr>
+              <a:t>This project requires dataset for generating questions and answers.</a:t>
+            </a:r>
+          </a:p>
+          <a:p>
+            <a:pPr algn="just" rtl="0" fontAlgn="base">
+              <a:spcBef>
+                <a:spcPts val="1200"/>
+              </a:spcBef>
+              <a:spcAft>
+                <a:spcPts val="0"/>
+              </a:spcAft>
+              <a:buFont typeface="+mj-lt"/>
+              <a:buAutoNum type="arabicPeriod"/>
+            </a:pPr>
+            <a:r>
+              <a:rPr lang="en-US" sz="2000" b="0" i="0" u="none" strike="noStrike" dirty="0" smtClean="0">
+                <a:effectLst/>
+                <a:latin typeface="Times New Roman" panose="02020603050405020304" pitchFamily="18" charset="0"/>
+              </a:rPr>
+              <a:t>Based on this dataset the software will generate questions using NLP (Using Python and its libraries).</a:t>
+            </a:r>
+          </a:p>
+          <a:p>
+            <a:pPr algn="just" fontAlgn="base">
+              <a:spcBef>
+                <a:spcPts val="1200"/>
+              </a:spcBef>
+              <a:buFont typeface="+mj-lt"/>
+              <a:buAutoNum type="arabicPeriod"/>
+            </a:pPr>
+            <a:r>
+              <a:rPr lang="en-US" sz="2000" dirty="0" smtClean="0">
+                <a:latin typeface="Times New Roman" pitchFamily="18" charset="0"/>
+                <a:cs typeface="Times New Roman" pitchFamily="18" charset="0"/>
+              </a:rPr>
+              <a:t>Its User Interface design presents a seamless blend of visual design, interaction design, and information architecture.</a:t>
+            </a:r>
+          </a:p>
+          <a:p>
+            <a:pPr algn="just" fontAlgn="base">
+              <a:spcBef>
+                <a:spcPts val="1200"/>
+              </a:spcBef>
+              <a:buFont typeface="+mj-lt"/>
+              <a:buAutoNum type="arabicPeriod"/>
+            </a:pPr>
+            <a:r>
+              <a:rPr lang="en-US" sz="2000" b="0" i="0" u="none" strike="noStrike" dirty="0" smtClean="0">
+                <a:effectLst/>
+                <a:latin typeface="Times New Roman" panose="02020603050405020304" pitchFamily="18" charset="0"/>
+              </a:rPr>
+              <a:t>Automatic evaluation of result also reduces effort of teacher to manually evaluate them.</a:t>
+            </a:r>
+          </a:p>
+          <a:p>
+            <a:pPr algn="just" fontAlgn="base">
+              <a:spcBef>
+                <a:spcPts val="1200"/>
+              </a:spcBef>
+              <a:buFont typeface="+mj-lt"/>
+              <a:buAutoNum type="arabicPeriod"/>
+            </a:pPr>
+            <a:r>
+              <a:rPr lang="en-US" sz="2000" dirty="0" smtClean="0">
+                <a:latin typeface="Times New Roman" panose="02020603050405020304" pitchFamily="18" charset="0"/>
+              </a:rPr>
+              <a:t>Stores result of all students in database for future use.</a:t>
+            </a:r>
+            <a:endParaRPr lang="en-US" sz="2000" b="0" i="0" u="none" strike="noStrike" dirty="0">
+              <a:effectLst/>
+              <a:latin typeface="Times New Roman" panose="02020603050405020304" pitchFamily="18" charset="0"/>
+            </a:endParaRPr>
+          </a:p>
+        </p:txBody>
+      </p:sp>
+    </p:spTree>
+    <p:extLst>
+      <p:ext uri="{BB962C8B-B14F-4D97-AF65-F5344CB8AC3E}">
+        <p14:creationId xmlns:p14="http://schemas.microsoft.com/office/powerpoint/2010/main" val="1045834415"/>
+      </p:ext>
+    </p:extLst>
+  </p:cSld>
+  <p:clrMapOvr>
+    <a:masterClrMapping/>
+  </p:clrMapOvr>
+  <p:timing>
+    <p:tnLst>
+      <p:par>
+        <p:cTn id="1" dur="indefinite" restart="never" nodeType="tmRoot"/>
+      </p:par>
+    </p:tnLst>
+  </p:timing>
+</p:sld>
+</file>
+
+<file path=ppt/slides/slide11.xml><?xml version="1.0" encoding="utf-8"?>
+<p:sld xmlns:a="http://schemas.openxmlformats.org/drawingml/2006/main" xmlns:r="http://schemas.openxmlformats.org/officeDocument/2006/relationships" xmlns:p="http://schemas.openxmlformats.org/presentationml/2006/main">
+  <p:cSld>
+    <p:spTree>
+      <p:nvGrpSpPr>
+        <p:cNvPr id="1" name=""/>
+        <p:cNvGrpSpPr/>
+        <p:nvPr/>
+      </p:nvGrpSpPr>
+      <p:grpSpPr>
+        <a:xfrm>
+          <a:off x="0" y="0"/>
+          <a:ext cx="0" cy="0"/>
+          <a:chOff x="0" y="0"/>
+          <a:chExt cx="0" cy="0"/>
+        </a:xfrm>
+      </p:grpSpPr>
+      <p:sp>
+        <p:nvSpPr>
+          <p:cNvPr id="2" name="Title 1">
+            <a:extLst>
+              <a:ext uri="{FF2B5EF4-FFF2-40B4-BE49-F238E27FC236}">
+                <a16:creationId xmlns:a16="http://schemas.microsoft.com/office/drawing/2014/main" xmlns="" id="{C600ECE9-8BCE-496A-86D1-7B58A81F9D45}"/>
+              </a:ext>
+            </a:extLst>
+          </p:cNvPr>
+          <p:cNvSpPr>
+            <a:spLocks noGrp="1"/>
+          </p:cNvSpPr>
+          <p:nvPr>
+            <p:ph type="title"/>
+          </p:nvPr>
+        </p:nvSpPr>
+        <p:spPr/>
+        <p:txBody>
+          <a:bodyPr>
+            <a:noAutofit/>
+          </a:bodyPr>
+          <a:lstStyle/>
+          <a:p>
+            <a:pPr algn="l"/>
+            <a:r>
+              <a:rPr lang="en-US" sz="3200" b="1" dirty="0">
+                <a:latin typeface="Times New Roman" panose="02020603050405020304" pitchFamily="18" charset="0"/>
+                <a:cs typeface="Times New Roman" panose="02020603050405020304" pitchFamily="18" charset="0"/>
+              </a:rPr>
+              <a:t>Non functional requirements</a:t>
+            </a:r>
+            <a:endParaRPr lang="en-IN" sz="3200" b="1" dirty="0">
+              <a:latin typeface="Times New Roman" panose="02020603050405020304" pitchFamily="18" charset="0"/>
+              <a:cs typeface="Times New Roman" panose="02020603050405020304" pitchFamily="18" charset="0"/>
+            </a:endParaRPr>
+          </a:p>
+        </p:txBody>
+      </p:sp>
+      <p:sp>
+        <p:nvSpPr>
+          <p:cNvPr id="3" name="Text Placeholder 2">
+            <a:extLst>
+              <a:ext uri="{FF2B5EF4-FFF2-40B4-BE49-F238E27FC236}">
+                <a16:creationId xmlns:a16="http://schemas.microsoft.com/office/drawing/2014/main" xmlns="" id="{C184DD1C-B96E-48F3-8482-5E575048AD90}"/>
+              </a:ext>
+            </a:extLst>
+          </p:cNvPr>
+          <p:cNvSpPr>
+            <a:spLocks noGrp="1"/>
+          </p:cNvSpPr>
+          <p:nvPr>
+            <p:ph type="body" idx="1"/>
+          </p:nvPr>
+        </p:nvSpPr>
+        <p:spPr>
+          <a:xfrm>
+            <a:off x="311700" y="1017726"/>
+            <a:ext cx="8520600" cy="3864240"/>
+          </a:xfrm>
+        </p:spPr>
+        <p:txBody>
+          <a:bodyPr>
+            <a:normAutofit fontScale="92500" lnSpcReduction="20000"/>
+          </a:bodyPr>
+          <a:lstStyle/>
+          <a:p>
+            <a:pPr algn="just" rtl="0">
+              <a:spcBef>
+                <a:spcPts val="1200"/>
+              </a:spcBef>
+              <a:spcAft>
+                <a:spcPts val="1200"/>
+              </a:spcAft>
+              <a:buFont typeface="+mj-lt"/>
+              <a:buAutoNum type="arabicPeriod"/>
+            </a:pPr>
+            <a:r>
+              <a:rPr lang="en-US" sz="1800" b="1" i="0" u="none" strike="noStrike" dirty="0">
+                <a:effectLst/>
+                <a:latin typeface="Times New Roman" panose="02020603050405020304" pitchFamily="18" charset="0"/>
+              </a:rPr>
+              <a:t>User Satisfaction: -</a:t>
+            </a:r>
+            <a:r>
+              <a:rPr lang="en-US" sz="1800" b="0" i="0" u="none" strike="noStrike" dirty="0">
+                <a:effectLst/>
+                <a:latin typeface="Times New Roman" panose="02020603050405020304" pitchFamily="18" charset="0"/>
+              </a:rPr>
+              <a:t> The system is such that it stands up to the user expectations.</a:t>
+            </a:r>
+          </a:p>
+          <a:p>
+            <a:pPr algn="just" rtl="0">
+              <a:spcBef>
+                <a:spcPts val="1200"/>
+              </a:spcBef>
+              <a:spcAft>
+                <a:spcPts val="1200"/>
+              </a:spcAft>
+              <a:buFont typeface="+mj-lt"/>
+              <a:buAutoNum type="arabicPeriod"/>
+            </a:pPr>
+            <a:r>
+              <a:rPr lang="en-US" sz="1800" b="1" i="0" u="none" strike="noStrike" dirty="0">
+                <a:effectLst/>
+                <a:latin typeface="Times New Roman" panose="02020603050405020304" pitchFamily="18" charset="0"/>
+              </a:rPr>
+              <a:t>Response Time: -</a:t>
+            </a:r>
+            <a:r>
+              <a:rPr lang="en-US" sz="1800" b="0" i="0" u="none" strike="noStrike" dirty="0">
+                <a:effectLst/>
+                <a:latin typeface="Times New Roman" panose="02020603050405020304" pitchFamily="18" charset="0"/>
+              </a:rPr>
+              <a:t> The response of all the operation is good. This has been made possible by careful programming.</a:t>
+            </a:r>
+          </a:p>
+          <a:p>
+            <a:pPr algn="just" rtl="0">
+              <a:spcBef>
+                <a:spcPts val="1200"/>
+              </a:spcBef>
+              <a:spcAft>
+                <a:spcPts val="1200"/>
+              </a:spcAft>
+              <a:buFont typeface="+mj-lt"/>
+              <a:buAutoNum type="arabicPeriod"/>
+            </a:pPr>
+            <a:r>
+              <a:rPr lang="en-US" sz="1800" b="1" i="0" u="none" strike="noStrike" dirty="0">
+                <a:effectLst/>
+                <a:latin typeface="Times New Roman" panose="02020603050405020304" pitchFamily="18" charset="0"/>
+              </a:rPr>
+              <a:t>Error Handling: -</a:t>
+            </a:r>
+            <a:r>
+              <a:rPr lang="en-US" sz="1800" b="0" i="0" u="none" strike="noStrike" dirty="0">
+                <a:effectLst/>
+                <a:latin typeface="Times New Roman" panose="02020603050405020304" pitchFamily="18" charset="0"/>
+              </a:rPr>
+              <a:t> Response to user errors and undesired situations has been taken care of to ensure that the system operates without halting.</a:t>
+            </a:r>
+          </a:p>
+          <a:p>
+            <a:pPr algn="just" rtl="0">
+              <a:spcBef>
+                <a:spcPts val="1200"/>
+              </a:spcBef>
+              <a:spcAft>
+                <a:spcPts val="1200"/>
+              </a:spcAft>
+              <a:buFont typeface="+mj-lt"/>
+              <a:buAutoNum type="arabicPeriod"/>
+            </a:pPr>
+            <a:r>
+              <a:rPr lang="en-US" sz="1800" b="1" i="0" u="none" strike="noStrike" dirty="0">
+                <a:effectLst/>
+                <a:latin typeface="Times New Roman" panose="02020603050405020304" pitchFamily="18" charset="0"/>
+              </a:rPr>
+              <a:t>Safety and Robustness: -</a:t>
+            </a:r>
+            <a:r>
+              <a:rPr lang="en-US" sz="1800" b="0" i="0" u="none" strike="noStrike" dirty="0">
+                <a:effectLst/>
+                <a:latin typeface="Times New Roman" panose="02020603050405020304" pitchFamily="18" charset="0"/>
+              </a:rPr>
+              <a:t> The system is able to avoid or tackle disastrous action. In other words, it should be foul proof. The system safeguards against undesired events, without human intervention.</a:t>
+            </a:r>
+          </a:p>
+          <a:p>
+            <a:pPr algn="just" rtl="0">
+              <a:spcBef>
+                <a:spcPts val="1200"/>
+              </a:spcBef>
+              <a:spcAft>
+                <a:spcPts val="1200"/>
+              </a:spcAft>
+              <a:buFont typeface="+mj-lt"/>
+              <a:buAutoNum type="arabicPeriod"/>
+            </a:pPr>
+            <a:r>
+              <a:rPr lang="en-US" sz="1800" b="1" i="0" u="none" strike="noStrike" dirty="0" smtClean="0">
+                <a:effectLst/>
+                <a:latin typeface="Times New Roman" panose="02020603050405020304" pitchFamily="18" charset="0"/>
+              </a:rPr>
+              <a:t>User friendliness</a:t>
+            </a:r>
+            <a:r>
+              <a:rPr lang="en-US" sz="1800" b="1" i="0" u="none" strike="noStrike" dirty="0">
+                <a:effectLst/>
+                <a:latin typeface="Times New Roman" panose="02020603050405020304" pitchFamily="18" charset="0"/>
+              </a:rPr>
+              <a:t>: -</a:t>
+            </a:r>
+            <a:r>
+              <a:rPr lang="en-US" sz="1800" b="0" i="0" u="none" strike="noStrike" dirty="0">
+                <a:effectLst/>
+                <a:latin typeface="Times New Roman" panose="02020603050405020304" pitchFamily="18" charset="0"/>
+              </a:rPr>
+              <a:t> The system is easy to learn and understand. A native user can also use the system effectively, without any difficulties.</a:t>
+            </a:r>
+            <a:endParaRPr lang="en-US" sz="1800" b="0" dirty="0">
+              <a:effectLst/>
+            </a:endParaRPr>
+          </a:p>
+        </p:txBody>
+      </p:sp>
+    </p:spTree>
+    <p:extLst>
+      <p:ext uri="{BB962C8B-B14F-4D97-AF65-F5344CB8AC3E}">
+        <p14:creationId xmlns:p14="http://schemas.microsoft.com/office/powerpoint/2010/main" val="1616304402"/>
+      </p:ext>
+    </p:extLst>
+  </p:cSld>
+  <p:clrMapOvr>
+    <a:masterClrMapping/>
+  </p:clrMapOvr>
+  <p:timing>
+    <p:tnLst>
+      <p:par>
+        <p:cTn id="1" dur="indefinite" restart="never" nodeType="tmRoot"/>
+      </p:par>
+    </p:tnLst>
+  </p:timing>
+</p:sld>
+</file>
+
+<file path=ppt/slides/slide12.xml><?xml version="1.0" encoding="utf-8"?>
+<p:sld xmlns:a="http://schemas.openxmlformats.org/drawingml/2006/main" xmlns:r="http://schemas.openxmlformats.org/officeDocument/2006/relationships" xmlns:p="http://schemas.openxmlformats.org/presentationml/2006/main">
+  <p:cSld>
+    <p:spTree>
+      <p:nvGrpSpPr>
         <p:cNvPr id="1" name="Shape 564"/>
         <p:cNvGrpSpPr/>
         <p:nvPr/>
@@ -23364,7 +23806,7 @@
           <p:cNvPr id="19458" name="Picture 2" descr="Testing the Requirements: A Guide to Requirements Analysis | TechWell">
             <a:extLst>
               <a:ext uri="{FF2B5EF4-FFF2-40B4-BE49-F238E27FC236}">
-                <a16:creationId xmlns="" xmlns:a16="http://schemas.microsoft.com/office/drawing/2014/main" id="{3286A066-B048-4646-BA70-7688F81C1CC1}"/>
+                <a16:creationId xmlns:a16="http://schemas.microsoft.com/office/drawing/2014/main" xmlns="" id="{3286A066-B048-4646-BA70-7688F81C1CC1}"/>
               </a:ext>
             </a:extLst>
           </p:cNvPr>
@@ -24131,448 +24573,6 @@
 </p:sld>
 </file>
 
-<file path=ppt/slides/slide11.xml><?xml version="1.0" encoding="utf-8"?>
-<p:sld xmlns:a="http://schemas.openxmlformats.org/drawingml/2006/main" xmlns:r="http://schemas.openxmlformats.org/officeDocument/2006/relationships" xmlns:p="http://schemas.openxmlformats.org/presentationml/2006/main">
-  <p:cSld>
-    <p:spTree>
-      <p:nvGrpSpPr>
-        <p:cNvPr id="1" name=""/>
-        <p:cNvGrpSpPr/>
-        <p:nvPr/>
-      </p:nvGrpSpPr>
-      <p:grpSpPr>
-        <a:xfrm>
-          <a:off x="0" y="0"/>
-          <a:ext cx="0" cy="0"/>
-          <a:chOff x="0" y="0"/>
-          <a:chExt cx="0" cy="0"/>
-        </a:xfrm>
-      </p:grpSpPr>
-      <p:sp>
-        <p:nvSpPr>
-          <p:cNvPr id="2" name="Title 1">
-            <a:extLst>
-              <a:ext uri="{FF2B5EF4-FFF2-40B4-BE49-F238E27FC236}">
-                <a16:creationId xmlns="" xmlns:a16="http://schemas.microsoft.com/office/drawing/2014/main" id="{D7552995-154E-40D1-B46E-F9DE6227D3F7}"/>
-              </a:ext>
-            </a:extLst>
-          </p:cNvPr>
-          <p:cNvSpPr>
-            <a:spLocks noGrp="1"/>
-          </p:cNvSpPr>
-          <p:nvPr>
-            <p:ph type="title"/>
-          </p:nvPr>
-        </p:nvSpPr>
-        <p:spPr>
-          <a:xfrm>
-            <a:off x="381000" y="514350"/>
-            <a:ext cx="8520600" cy="572700"/>
-          </a:xfrm>
-        </p:spPr>
-        <p:txBody>
-          <a:bodyPr>
-            <a:noAutofit/>
-          </a:bodyPr>
-          <a:lstStyle/>
-          <a:p>
-            <a:pPr algn="l"/>
-            <a:r>
-              <a:rPr lang="en-US" sz="3600" b="1" dirty="0">
-                <a:latin typeface="Times New Roman" panose="02020603050405020304" pitchFamily="18" charset="0"/>
-                <a:cs typeface="Times New Roman" panose="02020603050405020304" pitchFamily="18" charset="0"/>
-              </a:rPr>
-              <a:t>Functional requirements</a:t>
-            </a:r>
-            <a:endParaRPr lang="en-IN" sz="3600" b="1" dirty="0">
-              <a:latin typeface="Times New Roman" panose="02020603050405020304" pitchFamily="18" charset="0"/>
-              <a:cs typeface="Times New Roman" panose="02020603050405020304" pitchFamily="18" charset="0"/>
-            </a:endParaRPr>
-          </a:p>
-        </p:txBody>
-      </p:sp>
-      <p:sp>
-        <p:nvSpPr>
-          <p:cNvPr id="3" name="Text Placeholder 2">
-            <a:extLst>
-              <a:ext uri="{FF2B5EF4-FFF2-40B4-BE49-F238E27FC236}">
-                <a16:creationId xmlns="" xmlns:a16="http://schemas.microsoft.com/office/drawing/2014/main" id="{218B2FCB-D741-4B21-A7EE-DBC61F05B686}"/>
-              </a:ext>
-            </a:extLst>
-          </p:cNvPr>
-          <p:cNvSpPr>
-            <a:spLocks noGrp="1"/>
-          </p:cNvSpPr>
-          <p:nvPr>
-            <p:ph type="body" idx="1"/>
-          </p:nvPr>
-        </p:nvSpPr>
-        <p:spPr>
-          <a:xfrm>
-            <a:off x="623400" y="1352550"/>
-            <a:ext cx="8368200" cy="3254424"/>
-          </a:xfrm>
-        </p:spPr>
-        <p:txBody>
-          <a:bodyPr>
-            <a:normAutofit lnSpcReduction="10000"/>
-          </a:bodyPr>
-          <a:lstStyle/>
-          <a:p>
-            <a:pPr algn="just" rtl="0" fontAlgn="base">
-              <a:spcBef>
-                <a:spcPts val="1200"/>
-              </a:spcBef>
-              <a:spcAft>
-                <a:spcPts val="0"/>
-              </a:spcAft>
-              <a:buFont typeface="+mj-lt"/>
-              <a:buAutoNum type="arabicPeriod"/>
-            </a:pPr>
-            <a:r>
-              <a:rPr lang="en-US" sz="2000" b="0" i="0" u="none" strike="noStrike" dirty="0" smtClean="0">
-                <a:effectLst/>
-                <a:latin typeface="Times New Roman" panose="02020603050405020304" pitchFamily="18" charset="0"/>
-              </a:rPr>
-              <a:t>This project requires dataset for generating questions and answers.</a:t>
-            </a:r>
-          </a:p>
-          <a:p>
-            <a:pPr algn="just" rtl="0" fontAlgn="base">
-              <a:spcBef>
-                <a:spcPts val="1200"/>
-              </a:spcBef>
-              <a:spcAft>
-                <a:spcPts val="0"/>
-              </a:spcAft>
-              <a:buFont typeface="+mj-lt"/>
-              <a:buAutoNum type="arabicPeriod"/>
-            </a:pPr>
-            <a:r>
-              <a:rPr lang="en-US" sz="2000" b="0" i="0" u="none" strike="noStrike" dirty="0" smtClean="0">
-                <a:effectLst/>
-                <a:latin typeface="Times New Roman" panose="02020603050405020304" pitchFamily="18" charset="0"/>
-              </a:rPr>
-              <a:t>Based on this dataset the software will generate questions using NLP (Using Python and its libraries).</a:t>
-            </a:r>
-          </a:p>
-          <a:p>
-            <a:pPr algn="just" fontAlgn="base">
-              <a:spcBef>
-                <a:spcPts val="1200"/>
-              </a:spcBef>
-              <a:buFont typeface="+mj-lt"/>
-              <a:buAutoNum type="arabicPeriod"/>
-            </a:pPr>
-            <a:r>
-              <a:rPr lang="en-US" sz="2000" dirty="0" smtClean="0">
-                <a:latin typeface="Times New Roman" pitchFamily="18" charset="0"/>
-                <a:cs typeface="Times New Roman" pitchFamily="18" charset="0"/>
-              </a:rPr>
-              <a:t>Its User Interface design presents a seamless blend of visual design, interaction design, and information architecture.</a:t>
-            </a:r>
-          </a:p>
-          <a:p>
-            <a:pPr algn="just" fontAlgn="base">
-              <a:spcBef>
-                <a:spcPts val="1200"/>
-              </a:spcBef>
-              <a:buFont typeface="+mj-lt"/>
-              <a:buAutoNum type="arabicPeriod"/>
-            </a:pPr>
-            <a:r>
-              <a:rPr lang="en-US" sz="2000" b="0" i="0" u="none" strike="noStrike" dirty="0" smtClean="0">
-                <a:effectLst/>
-                <a:latin typeface="Times New Roman" panose="02020603050405020304" pitchFamily="18" charset="0"/>
-              </a:rPr>
-              <a:t>Automatic evaluation of result also reduces effort of teacher to manually evaluate them.</a:t>
-            </a:r>
-          </a:p>
-          <a:p>
-            <a:pPr algn="just" fontAlgn="base">
-              <a:spcBef>
-                <a:spcPts val="1200"/>
-              </a:spcBef>
-              <a:buFont typeface="+mj-lt"/>
-              <a:buAutoNum type="arabicPeriod"/>
-            </a:pPr>
-            <a:r>
-              <a:rPr lang="en-US" sz="2000" dirty="0" smtClean="0">
-                <a:latin typeface="Times New Roman" panose="02020603050405020304" pitchFamily="18" charset="0"/>
-              </a:rPr>
-              <a:t>Stores result of all students in database for future use.</a:t>
-            </a:r>
-            <a:endParaRPr lang="en-US" sz="2000" b="0" i="0" u="none" strike="noStrike" dirty="0">
-              <a:effectLst/>
-              <a:latin typeface="Times New Roman" panose="02020603050405020304" pitchFamily="18" charset="0"/>
-            </a:endParaRPr>
-          </a:p>
-        </p:txBody>
-      </p:sp>
-    </p:spTree>
-    <p:extLst>
-      <p:ext uri="{BB962C8B-B14F-4D97-AF65-F5344CB8AC3E}">
-        <p14:creationId xmlns:p14="http://schemas.microsoft.com/office/powerpoint/2010/main" val="1045834415"/>
-      </p:ext>
-    </p:extLst>
-  </p:cSld>
-  <p:clrMapOvr>
-    <a:masterClrMapping/>
-  </p:clrMapOvr>
-  <p:timing>
-    <p:tnLst>
-      <p:par>
-        <p:cTn id="1" dur="indefinite" restart="never" nodeType="tmRoot"/>
-      </p:par>
-    </p:tnLst>
-  </p:timing>
-</p:sld>
-</file>
-
-<file path=ppt/slides/slide12.xml><?xml version="1.0" encoding="utf-8"?>
-<p:sld xmlns:a="http://schemas.openxmlformats.org/drawingml/2006/main" xmlns:r="http://schemas.openxmlformats.org/officeDocument/2006/relationships" xmlns:p="http://schemas.openxmlformats.org/presentationml/2006/main">
-  <p:cSld>
-    <p:spTree>
-      <p:nvGrpSpPr>
-        <p:cNvPr id="1" name=""/>
-        <p:cNvGrpSpPr/>
-        <p:nvPr/>
-      </p:nvGrpSpPr>
-      <p:grpSpPr>
-        <a:xfrm>
-          <a:off x="0" y="0"/>
-          <a:ext cx="0" cy="0"/>
-          <a:chOff x="0" y="0"/>
-          <a:chExt cx="0" cy="0"/>
-        </a:xfrm>
-      </p:grpSpPr>
-      <p:sp>
-        <p:nvSpPr>
-          <p:cNvPr id="2" name="Title 1">
-            <a:extLst>
-              <a:ext uri="{FF2B5EF4-FFF2-40B4-BE49-F238E27FC236}">
-                <a16:creationId xmlns="" xmlns:a16="http://schemas.microsoft.com/office/drawing/2014/main" id="{C600ECE9-8BCE-496A-86D1-7B58A81F9D45}"/>
-              </a:ext>
-            </a:extLst>
-          </p:cNvPr>
-          <p:cNvSpPr>
-            <a:spLocks noGrp="1"/>
-          </p:cNvSpPr>
-          <p:nvPr>
-            <p:ph type="title"/>
-          </p:nvPr>
-        </p:nvSpPr>
-        <p:spPr/>
-        <p:txBody>
-          <a:bodyPr>
-            <a:noAutofit/>
-          </a:bodyPr>
-          <a:lstStyle/>
-          <a:p>
-            <a:pPr algn="l"/>
-            <a:r>
-              <a:rPr lang="en-US" sz="3200" b="1" dirty="0">
-                <a:latin typeface="Times New Roman" panose="02020603050405020304" pitchFamily="18" charset="0"/>
-                <a:cs typeface="Times New Roman" panose="02020603050405020304" pitchFamily="18" charset="0"/>
-              </a:rPr>
-              <a:t>Non functional requirements</a:t>
-            </a:r>
-            <a:endParaRPr lang="en-IN" sz="3200" b="1" dirty="0">
-              <a:latin typeface="Times New Roman" panose="02020603050405020304" pitchFamily="18" charset="0"/>
-              <a:cs typeface="Times New Roman" panose="02020603050405020304" pitchFamily="18" charset="0"/>
-            </a:endParaRPr>
-          </a:p>
-        </p:txBody>
-      </p:sp>
-      <p:sp>
-        <p:nvSpPr>
-          <p:cNvPr id="3" name="Text Placeholder 2">
-            <a:extLst>
-              <a:ext uri="{FF2B5EF4-FFF2-40B4-BE49-F238E27FC236}">
-                <a16:creationId xmlns="" xmlns:a16="http://schemas.microsoft.com/office/drawing/2014/main" id="{C184DD1C-B96E-48F3-8482-5E575048AD90}"/>
-              </a:ext>
-            </a:extLst>
-          </p:cNvPr>
-          <p:cNvSpPr>
-            <a:spLocks noGrp="1"/>
-          </p:cNvSpPr>
-          <p:nvPr>
-            <p:ph type="body" idx="1"/>
-          </p:nvPr>
-        </p:nvSpPr>
-        <p:spPr>
-          <a:xfrm>
-            <a:off x="311700" y="1017726"/>
-            <a:ext cx="8520600" cy="3864240"/>
-          </a:xfrm>
-        </p:spPr>
-        <p:txBody>
-          <a:bodyPr>
-            <a:normAutofit fontScale="92500" lnSpcReduction="20000"/>
-          </a:bodyPr>
-          <a:lstStyle/>
-          <a:p>
-            <a:pPr algn="just" rtl="0">
-              <a:spcBef>
-                <a:spcPts val="1200"/>
-              </a:spcBef>
-              <a:spcAft>
-                <a:spcPts val="1200"/>
-              </a:spcAft>
-              <a:buFont typeface="+mj-lt"/>
-              <a:buAutoNum type="arabicPeriod"/>
-            </a:pPr>
-            <a:r>
-              <a:rPr lang="en-US" sz="1800" b="1" i="0" u="none" strike="noStrike" dirty="0">
-                <a:effectLst/>
-                <a:latin typeface="Times New Roman" panose="02020603050405020304" pitchFamily="18" charset="0"/>
-              </a:rPr>
-              <a:t>User Satisfaction: -</a:t>
-            </a:r>
-            <a:r>
-              <a:rPr lang="en-US" sz="1800" b="0" i="0" u="none" strike="noStrike" dirty="0">
-                <a:effectLst/>
-                <a:latin typeface="Times New Roman" panose="02020603050405020304" pitchFamily="18" charset="0"/>
-              </a:rPr>
-              <a:t> The system is such that it stands up to the user expectations.</a:t>
-            </a:r>
-          </a:p>
-          <a:p>
-            <a:pPr algn="just" rtl="0">
-              <a:spcBef>
-                <a:spcPts val="1200"/>
-              </a:spcBef>
-              <a:spcAft>
-                <a:spcPts val="1200"/>
-              </a:spcAft>
-              <a:buFont typeface="+mj-lt"/>
-              <a:buAutoNum type="arabicPeriod"/>
-            </a:pPr>
-            <a:r>
-              <a:rPr lang="en-US" sz="1800" b="1" i="0" u="none" strike="noStrike" dirty="0">
-                <a:effectLst/>
-                <a:latin typeface="Times New Roman" panose="02020603050405020304" pitchFamily="18" charset="0"/>
-              </a:rPr>
-              <a:t>Response Time: -</a:t>
-            </a:r>
-            <a:r>
-              <a:rPr lang="en-US" sz="1800" b="0" i="0" u="none" strike="noStrike" dirty="0">
-                <a:effectLst/>
-                <a:latin typeface="Times New Roman" panose="02020603050405020304" pitchFamily="18" charset="0"/>
-              </a:rPr>
-              <a:t> The response of all the operation is good. This has been made possible by careful programming.</a:t>
-            </a:r>
-          </a:p>
-          <a:p>
-            <a:pPr algn="just" rtl="0">
-              <a:spcBef>
-                <a:spcPts val="1200"/>
-              </a:spcBef>
-              <a:spcAft>
-                <a:spcPts val="1200"/>
-              </a:spcAft>
-              <a:buFont typeface="+mj-lt"/>
-              <a:buAutoNum type="arabicPeriod"/>
-            </a:pPr>
-            <a:r>
-              <a:rPr lang="en-US" sz="1800" b="1" i="0" u="none" strike="noStrike" dirty="0">
-                <a:effectLst/>
-                <a:latin typeface="Times New Roman" panose="02020603050405020304" pitchFamily="18" charset="0"/>
-              </a:rPr>
-              <a:t>Error Handling: -</a:t>
-            </a:r>
-            <a:r>
-              <a:rPr lang="en-US" sz="1800" b="0" i="0" u="none" strike="noStrike" dirty="0">
-                <a:effectLst/>
-                <a:latin typeface="Times New Roman" panose="02020603050405020304" pitchFamily="18" charset="0"/>
-              </a:rPr>
-              <a:t> Response to user errors and undesired situations has been taken care of to ensure that the system operates without halting.</a:t>
-            </a:r>
-          </a:p>
-          <a:p>
-            <a:pPr algn="just" rtl="0">
-              <a:spcBef>
-                <a:spcPts val="1200"/>
-              </a:spcBef>
-              <a:spcAft>
-                <a:spcPts val="1200"/>
-              </a:spcAft>
-              <a:buFont typeface="+mj-lt"/>
-              <a:buAutoNum type="arabicPeriod"/>
-            </a:pPr>
-            <a:r>
-              <a:rPr lang="en-US" sz="1800" b="1" i="0" u="none" strike="noStrike" dirty="0">
-                <a:effectLst/>
-                <a:latin typeface="Times New Roman" panose="02020603050405020304" pitchFamily="18" charset="0"/>
-              </a:rPr>
-              <a:t>Safety and Robustness: -</a:t>
-            </a:r>
-            <a:r>
-              <a:rPr lang="en-US" sz="1800" b="0" i="0" u="none" strike="noStrike" dirty="0">
-                <a:effectLst/>
-                <a:latin typeface="Times New Roman" panose="02020603050405020304" pitchFamily="18" charset="0"/>
-              </a:rPr>
-              <a:t> The system is able to avoid or tackle disastrous action. In other words, it should be foul proof. The system safeguards against undesired events, without human intervention.</a:t>
-            </a:r>
-          </a:p>
-          <a:p>
-            <a:pPr algn="just" rtl="0">
-              <a:spcBef>
-                <a:spcPts val="1200"/>
-              </a:spcBef>
-              <a:spcAft>
-                <a:spcPts val="1200"/>
-              </a:spcAft>
-              <a:buFont typeface="+mj-lt"/>
-              <a:buAutoNum type="arabicPeriod"/>
-            </a:pPr>
-            <a:r>
-              <a:rPr lang="en-US" sz="1800" b="1" i="0" u="none" strike="noStrike" dirty="0" smtClean="0">
-                <a:effectLst/>
-                <a:latin typeface="Times New Roman" panose="02020603050405020304" pitchFamily="18" charset="0"/>
-              </a:rPr>
-              <a:t>User friendliness</a:t>
-            </a:r>
-            <a:r>
-              <a:rPr lang="en-US" sz="1800" b="1" i="0" u="none" strike="noStrike" dirty="0">
-                <a:effectLst/>
-                <a:latin typeface="Times New Roman" panose="02020603050405020304" pitchFamily="18" charset="0"/>
-              </a:rPr>
-              <a:t>: -</a:t>
-            </a:r>
-            <a:r>
-              <a:rPr lang="en-US" sz="1800" b="0" i="0" u="none" strike="noStrike" dirty="0">
-                <a:effectLst/>
-                <a:latin typeface="Times New Roman" panose="02020603050405020304" pitchFamily="18" charset="0"/>
-              </a:rPr>
-              <a:t> The system is easy to learn and understand. A native user can also use the system effectively, without any difficulties.</a:t>
-            </a:r>
-            <a:endParaRPr lang="en-US" sz="1800" b="0" dirty="0">
-              <a:effectLst/>
-            </a:endParaRPr>
-          </a:p>
-        </p:txBody>
-      </p:sp>
-    </p:spTree>
-    <p:extLst>
-      <p:ext uri="{BB962C8B-B14F-4D97-AF65-F5344CB8AC3E}">
-        <p14:creationId xmlns:p14="http://schemas.microsoft.com/office/powerpoint/2010/main" val="1616304402"/>
-      </p:ext>
-    </p:extLst>
-  </p:cSld>
-  <p:clrMapOvr>
-    <a:masterClrMapping/>
-  </p:clrMapOvr>
-  <p:timing>
-    <p:tnLst>
-      <p:par>
-        <p:cTn id="1" dur="indefinite" restart="never" nodeType="tmRoot"/>
-      </p:par>
-    </p:tnLst>
-  </p:timing>
-</p:sld>
-</file>
-
 <file path=ppt/slides/slide13.xml><?xml version="1.0" encoding="utf-8"?>
 <p:sld xmlns:a="http://schemas.openxmlformats.org/drawingml/2006/main" xmlns:r="http://schemas.openxmlformats.org/officeDocument/2006/relationships" xmlns:p="http://schemas.openxmlformats.org/presentationml/2006/main">
   <p:cSld>
@@ -24994,14 +24994,14 @@
                 <a:gridCol w="2065450">
                   <a:extLst>
                     <a:ext uri="{9D8B030D-6E8A-4147-A177-3AD203B41FA5}">
-                      <a16:colId xmlns="" xmlns:a16="http://schemas.microsoft.com/office/drawing/2014/main" val="20000"/>
+                      <a16:colId xmlns:a16="http://schemas.microsoft.com/office/drawing/2014/main" xmlns="" val="20000"/>
                     </a:ext>
                   </a:extLst>
                 </a:gridCol>
                 <a:gridCol w="5173550">
                   <a:extLst>
                     <a:ext uri="{9D8B030D-6E8A-4147-A177-3AD203B41FA5}">
-                      <a16:colId xmlns="" xmlns:a16="http://schemas.microsoft.com/office/drawing/2014/main" val="20001"/>
+                      <a16:colId xmlns:a16="http://schemas.microsoft.com/office/drawing/2014/main" xmlns="" val="20001"/>
                     </a:ext>
                   </a:extLst>
                 </a:gridCol>
@@ -25177,7 +25177,7 @@
                 </a:tc>
                 <a:extLst>
                   <a:ext uri="{0D108BD9-81ED-4DB2-BD59-A6C34878D82A}">
-                    <a16:rowId xmlns="" xmlns:a16="http://schemas.microsoft.com/office/drawing/2014/main" val="10000"/>
+                    <a16:rowId xmlns:a16="http://schemas.microsoft.com/office/drawing/2014/main" xmlns="" val="10000"/>
                   </a:ext>
                 </a:extLst>
               </a:tr>
@@ -25419,7 +25419,7 @@
                 </a:tc>
                 <a:extLst>
                   <a:ext uri="{0D108BD9-81ED-4DB2-BD59-A6C34878D82A}">
-                    <a16:rowId xmlns="" xmlns:a16="http://schemas.microsoft.com/office/drawing/2014/main" val="10001"/>
+                    <a16:rowId xmlns:a16="http://schemas.microsoft.com/office/drawing/2014/main" xmlns="" val="10001"/>
                   </a:ext>
                 </a:extLst>
               </a:tr>
@@ -25618,7 +25618,7 @@
                 </a:tc>
                 <a:extLst>
                   <a:ext uri="{0D108BD9-81ED-4DB2-BD59-A6C34878D82A}">
-                    <a16:rowId xmlns="" xmlns:a16="http://schemas.microsoft.com/office/drawing/2014/main" val="10002"/>
+                    <a16:rowId xmlns:a16="http://schemas.microsoft.com/office/drawing/2014/main" xmlns="" val="10002"/>
                   </a:ext>
                 </a:extLst>
               </a:tr>
@@ -25697,7 +25697,7 @@
           <p:cNvPr id="15362" name="Picture 2" descr="Avoiding common confusions with modules in Angular - Angular inDepth">
             <a:extLst>
               <a:ext uri="{FF2B5EF4-FFF2-40B4-BE49-F238E27FC236}">
-                <a16:creationId xmlns="" xmlns:a16="http://schemas.microsoft.com/office/drawing/2014/main" id="{15C805BE-E44F-4911-91E7-3268E2E5FC78}"/>
+                <a16:creationId xmlns:a16="http://schemas.microsoft.com/office/drawing/2014/main" xmlns="" id="{15C805BE-E44F-4911-91E7-3268E2E5FC78}"/>
               </a:ext>
             </a:extLst>
           </p:cNvPr>
@@ -25744,7 +25744,7 @@
           <p:cNvPr id="15364" name="Picture 4" descr="Atlas - Modules">
             <a:extLst>
               <a:ext uri="{FF2B5EF4-FFF2-40B4-BE49-F238E27FC236}">
-                <a16:creationId xmlns="" xmlns:a16="http://schemas.microsoft.com/office/drawing/2014/main" id="{7327A783-0DFD-4B38-A0A2-193FB25A4927}"/>
+                <a16:creationId xmlns:a16="http://schemas.microsoft.com/office/drawing/2014/main" xmlns="" id="{7327A783-0DFD-4B38-A0A2-193FB25A4927}"/>
               </a:ext>
             </a:extLst>
           </p:cNvPr>
@@ -26038,26 +26038,34 @@
             <p:ph type="title"/>
           </p:nvPr>
         </p:nvSpPr>
-        <p:spPr/>
-        <p:txBody>
-          <a:bodyPr/>
-          <a:lstStyle/>
-          <a:p>
-            <a:r>
-              <a:rPr lang="en-US" dirty="0">
+        <p:spPr>
+          <a:xfrm>
+            <a:off x="457200" y="209550"/>
+            <a:ext cx="7391400" cy="857250"/>
+          </a:xfrm>
+        </p:spPr>
+        <p:txBody>
+          <a:bodyPr>
+            <a:normAutofit/>
+          </a:bodyPr>
+          <a:lstStyle/>
+          <a:p>
+            <a:pPr algn="l"/>
+            <a:r>
+              <a:rPr lang="en-US" sz="3600" b="1" dirty="0">
                 <a:latin typeface="Times New Roman" pitchFamily="18" charset="0"/>
                 <a:cs typeface="Times New Roman" pitchFamily="18" charset="0"/>
               </a:rPr>
               <a:t>System </a:t>
             </a:r>
             <a:r>
-              <a:rPr lang="en-US" dirty="0" smtClean="0">
+              <a:rPr lang="en-US" sz="3600" b="1" dirty="0" smtClean="0">
                 <a:latin typeface="Times New Roman" pitchFamily="18" charset="0"/>
                 <a:cs typeface="Times New Roman" pitchFamily="18" charset="0"/>
               </a:rPr>
               <a:t>Design and Architecture</a:t>
             </a:r>
-            <a:endParaRPr lang="en-IN" dirty="0">
+            <a:endParaRPr lang="en-IN" sz="3600" b="1" dirty="0">
               <a:latin typeface="Times New Roman" pitchFamily="18" charset="0"/>
               <a:cs typeface="Times New Roman" pitchFamily="18" charset="0"/>
             </a:endParaRPr>
@@ -26396,7 +26404,7 @@
         <p:spPr>
           <a:xfrm>
             <a:off x="685799" y="590550"/>
-            <a:ext cx="5910657" cy="707886"/>
+            <a:ext cx="5340244" cy="646331"/>
           </a:xfrm>
           <a:prstGeom prst="rect">
             <a:avLst/>
@@ -26414,16 +26422,9 @@
                 <a:latin typeface="Times New Roman" pitchFamily="18" charset="0"/>
                 <a:cs typeface="Times New Roman" pitchFamily="18" charset="0"/>
               </a:rPr>
-              <a:t>DATA</a:t>
-            </a:r>
-            <a:r>
-              <a:rPr lang="en-US" sz="4000" b="1" dirty="0" smtClean="0">
-                <a:latin typeface="Times New Roman" pitchFamily="18" charset="0"/>
-                <a:cs typeface="Times New Roman" pitchFamily="18" charset="0"/>
-              </a:rPr>
-              <a:t> FLOW DIAGRAM</a:t>
-            </a:r>
-            <a:endParaRPr lang="en-US" sz="4000" b="1" dirty="0">
+              <a:t>DATA FLOW DIAGRAM</a:t>
+            </a:r>
+            <a:endParaRPr lang="en-US" sz="3600" b="1" dirty="0">
               <a:latin typeface="Times New Roman" pitchFamily="18" charset="0"/>
               <a:cs typeface="Times New Roman" pitchFamily="18" charset="0"/>
             </a:endParaRPr>
@@ -26743,7 +26744,7 @@
         </p:nvSpPr>
         <p:spPr>
           <a:xfrm>
-            <a:off x="304801" y="514351"/>
+            <a:off x="434281" y="683683"/>
             <a:ext cx="6157664" cy="685800"/>
           </a:xfrm>
         </p:spPr>
@@ -27472,7 +27473,7 @@
         </p:nvSpPr>
         <p:spPr>
           <a:xfrm>
-            <a:off x="304801" y="514350"/>
+            <a:off x="468148" y="549105"/>
             <a:ext cx="6157664" cy="809775"/>
           </a:xfrm>
         </p:spPr>
@@ -27708,7 +27709,7 @@
         </p:nvSpPr>
         <p:spPr>
           <a:xfrm>
-            <a:off x="685800" y="1531969"/>
+            <a:off x="1066800" y="1747123"/>
             <a:ext cx="3048000" cy="3020981"/>
           </a:xfrm>
           <a:prstGeom prst="rect">
@@ -28481,8 +28482,8 @@
         </p:nvSpPr>
         <p:spPr>
           <a:xfrm>
-            <a:off x="457200" y="1200154"/>
-            <a:ext cx="8229600" cy="3733795"/>
+            <a:off x="838200" y="1123950"/>
+            <a:ext cx="6477000" cy="3733795"/>
           </a:xfrm>
         </p:spPr>
         <p:txBody>
@@ -28704,7 +28705,7 @@
         </p:blipFill>
         <p:spPr bwMode="auto">
           <a:xfrm>
-            <a:off x="4953000" y="3028950"/>
+            <a:off x="4978400" y="3257550"/>
             <a:ext cx="3695264" cy="1407012"/>
           </a:xfrm>
           <a:prstGeom prst="rect">
@@ -29175,7 +29176,7 @@
           <p:cNvPr id="7" name="Picture 6">
             <a:extLst>
               <a:ext uri="{FF2B5EF4-FFF2-40B4-BE49-F238E27FC236}">
-                <a16:creationId xmlns="" xmlns:a16="http://schemas.microsoft.com/office/drawing/2014/main" id="{89491DAA-8C43-4B77-AA4D-90EC62B9041F}"/>
+                <a16:creationId xmlns:a16="http://schemas.microsoft.com/office/drawing/2014/main" xmlns="" id="{89491DAA-8C43-4B77-AA4D-90EC62B9041F}"/>
               </a:ext>
             </a:extLst>
           </p:cNvPr>
@@ -30718,13 +30719,6 @@
               </a:rPr>
               <a:t>project presents a survey of automatic question generation and assessment strategies from textual learning resources. The purpose of this project is to summarize the state-of-the-art techniques for generating questions and evaluating their answers automatically.</a:t>
             </a:r>
-            <a:endParaRPr lang="en-US" sz="1500" dirty="0">
-              <a:solidFill>
-                <a:schemeClr val="tx1"/>
-              </a:solidFill>
-              <a:latin typeface="Times New Roman" pitchFamily="18" charset="0"/>
-              <a:cs typeface="Times New Roman" pitchFamily="18" charset="0"/>
-            </a:endParaRPr>
           </a:p>
         </p:txBody>
       </p:sp>
@@ -32329,14 +32323,7 @@
                 <a:latin typeface="Times New Roman" pitchFamily="18" charset="0"/>
                 <a:cs typeface="Times New Roman" pitchFamily="18" charset="0"/>
               </a:rPr>
-              <a:t>Online </a:t>
-            </a:r>
-            <a:r>
-              <a:rPr lang="en-US" sz="3600" b="1" dirty="0" smtClean="0">
-                <a:latin typeface="Times New Roman" pitchFamily="18" charset="0"/>
-                <a:cs typeface="Times New Roman" pitchFamily="18" charset="0"/>
-              </a:rPr>
-              <a:t>System</a:t>
+              <a:t>Online System</a:t>
             </a:r>
             <a:endParaRPr lang="en-US" sz="3600" b="1" dirty="0">
               <a:latin typeface="Times New Roman" pitchFamily="18" charset="0"/>
@@ -32899,7 +32886,7 @@
         </p:spPr>
         <p:txBody>
           <a:bodyPr>
-            <a:normAutofit fontScale="62500" lnSpcReduction="20000"/>
+            <a:normAutofit fontScale="70000" lnSpcReduction="20000"/>
           </a:bodyPr>
           <a:lstStyle/>
           <a:p>
@@ -32928,13 +32915,13 @@
           <a:p>
             <a:pPr lvl="1"/>
             <a:r>
-              <a:rPr lang="en-US" dirty="0">
+              <a:rPr lang="en-US" sz="2600" dirty="0">
                 <a:latin typeface="Times New Roman" pitchFamily="18" charset="0"/>
                 <a:cs typeface="Times New Roman" pitchFamily="18" charset="0"/>
               </a:rPr>
               <a:t>This is a very important aspect to be considered while developing a project. We decided on the technology based on the minimum possible cost factor.</a:t>
             </a:r>
-            <a:endParaRPr lang="en-US" b="0" dirty="0" smtClean="0">
+            <a:endParaRPr lang="en-US" sz="2600" b="0" dirty="0" smtClean="0">
               <a:latin typeface="Times New Roman" pitchFamily="18" charset="0"/>
               <a:cs typeface="Times New Roman" pitchFamily="18" charset="0"/>
             </a:endParaRPr>
@@ -32942,7 +32929,7 @@
           <a:p>
             <a:pPr lvl="1" fontAlgn="base"/>
             <a:r>
-              <a:rPr lang="en-US" dirty="0">
+              <a:rPr lang="en-US" sz="2600" dirty="0">
                 <a:latin typeface="Times New Roman" pitchFamily="18" charset="0"/>
                 <a:cs typeface="Times New Roman" pitchFamily="18" charset="0"/>
               </a:rPr>
@@ -32952,7 +32939,7 @@
           <a:p>
             <a:pPr lvl="1" fontAlgn="base"/>
             <a:r>
-              <a:rPr lang="en-US" dirty="0">
+              <a:rPr lang="en-US" sz="2600" dirty="0">
                 <a:latin typeface="Times New Roman" pitchFamily="18" charset="0"/>
                 <a:cs typeface="Times New Roman" pitchFamily="18" charset="0"/>
               </a:rPr>
@@ -32985,13 +32972,20 @@
           <a:p>
             <a:pPr lvl="1"/>
             <a:r>
-              <a:rPr lang="en-US" dirty="0">
+              <a:rPr lang="en-US" sz="2600" dirty="0">
                 <a:latin typeface="Times New Roman" pitchFamily="18" charset="0"/>
                 <a:cs typeface="Times New Roman" pitchFamily="18" charset="0"/>
               </a:rPr>
-              <a:t>This included the study of function, performance, and constraints that may affect the ability to achieve an acceptable system. For this feasibility study. We studied complete functionality to be provided in the system, as described in the System Requirement Specification (SRS). and checked if everything was possible using a different type of frontend and backend platforms.</a:t>
-            </a:r>
-            <a:endParaRPr lang="en-US" b="0" dirty="0" smtClean="0">
+              <a:t>This included the study of function, performance, and constraints that may affect the ability to achieve an acceptable system. For this feasibility study. We studied complete functionality to be provided in the system, as described in the System Requirement Specification (SRS). and checked if everything was possible using a different type of frontend and backend platforms</a:t>
+            </a:r>
+            <a:r>
+              <a:rPr lang="en-US" sz="3400" dirty="0">
+                <a:latin typeface="Times New Roman" pitchFamily="18" charset="0"/>
+                <a:cs typeface="Times New Roman" pitchFamily="18" charset="0"/>
+              </a:rPr>
+              <a:t>.</a:t>
+            </a:r>
+            <a:endParaRPr lang="en-US" sz="3400" b="0" dirty="0" smtClean="0">
               <a:latin typeface="Times New Roman" pitchFamily="18" charset="0"/>
               <a:cs typeface="Times New Roman" pitchFamily="18" charset="0"/>
             </a:endParaRPr>
@@ -33022,26 +33016,26 @@
           <a:p>
             <a:pPr lvl="1"/>
             <a:r>
-              <a:rPr lang="en-US" dirty="0">
+              <a:rPr lang="en-US" sz="2600" dirty="0">
                 <a:latin typeface="Times New Roman" pitchFamily="18" charset="0"/>
                 <a:cs typeface="Times New Roman" pitchFamily="18" charset="0"/>
               </a:rPr>
               <a:t>No doubt the proposed system is fully GUI based that is very user friendly and all inputs to be taken all self-explanatory even to a layman</a:t>
             </a:r>
             <a:r>
-              <a:rPr lang="en-US" dirty="0" smtClean="0">
+              <a:rPr lang="en-US" sz="2600" dirty="0" smtClean="0">
                 <a:latin typeface="Times New Roman" pitchFamily="18" charset="0"/>
                 <a:cs typeface="Times New Roman" pitchFamily="18" charset="0"/>
               </a:rPr>
               <a:t>.</a:t>
             </a:r>
             <a:br>
-              <a:rPr lang="en-US" dirty="0" smtClean="0">
+              <a:rPr lang="en-US" sz="2600" dirty="0" smtClean="0">
                 <a:latin typeface="Times New Roman" pitchFamily="18" charset="0"/>
                 <a:cs typeface="Times New Roman" pitchFamily="18" charset="0"/>
               </a:rPr>
             </a:br>
-            <a:endParaRPr lang="en-US" dirty="0">
+            <a:endParaRPr lang="en-US" sz="2600" dirty="0">
               <a:latin typeface="Times New Roman" pitchFamily="18" charset="0"/>
               <a:cs typeface="Times New Roman" pitchFamily="18" charset="0"/>
             </a:endParaRPr>
@@ -33678,7 +33672,7 @@
   <a:extraClrSchemeLst/>
   <a:extLst>
     <a:ext uri="{05A4C25C-085E-4340-85A3-A5531E510DB2}">
-      <thm15:themeFamily xmlns="" xmlns:thm15="http://schemas.microsoft.com/office/thememl/2012/main" name="Office Theme" id="{62F939B6-93AF-4DB8-9C6B-D6C7DFDC589F}" vid="{4A3C46E8-61CC-4603-A589-7422A47A8E4A}"/>
+      <thm15:themeFamily xmlns:thm15="http://schemas.microsoft.com/office/thememl/2012/main" xmlns="" name="Office Theme" id="{62F939B6-93AF-4DB8-9C6B-D6C7DFDC589F}" vid="{4A3C46E8-61CC-4603-A589-7422A47A8E4A}"/>
     </a:ext>
   </a:extLst>
 </a:theme>
@@ -33939,7 +33933,7 @@
   <a:extraClrSchemeLst/>
   <a:extLst>
     <a:ext uri="{05A4C25C-085E-4340-85A3-A5531E510DB2}">
-      <thm15:themeFamily xmlns="" xmlns:thm15="http://schemas.microsoft.com/office/thememl/2012/main" name="Office Theme" id="{62F939B6-93AF-4DB8-9C6B-D6C7DFDC589F}" vid="{4A3C46E8-61CC-4603-A589-7422A47A8E4A}"/>
+      <thm15:themeFamily xmlns:thm15="http://schemas.microsoft.com/office/thememl/2012/main" xmlns="" name="Office Theme" id="{62F939B6-93AF-4DB8-9C6B-D6C7DFDC589F}" vid="{4A3C46E8-61CC-4603-A589-7422A47A8E4A}"/>
     </a:ext>
   </a:extLst>
 </a:theme>
@@ -34200,7 +34194,7 @@
   <a:extraClrSchemeLst/>
   <a:extLst>
     <a:ext uri="{05A4C25C-085E-4340-85A3-A5531E510DB2}">
-      <thm15:themeFamily xmlns="" xmlns:thm15="http://schemas.microsoft.com/office/thememl/2012/main" name="Office Theme" id="{62F939B6-93AF-4DB8-9C6B-D6C7DFDC589F}" vid="{4A3C46E8-61CC-4603-A589-7422A47A8E4A}"/>
+      <thm15:themeFamily xmlns:thm15="http://schemas.microsoft.com/office/thememl/2012/main" xmlns="" name="Office Theme" id="{62F939B6-93AF-4DB8-9C6B-D6C7DFDC589F}" vid="{4A3C46E8-61CC-4603-A589-7422A47A8E4A}"/>
     </a:ext>
   </a:extLst>
 </a:theme>
@@ -34461,7 +34455,7 @@
   <a:extraClrSchemeLst/>
   <a:extLst>
     <a:ext uri="{05A4C25C-085E-4340-85A3-A5531E510DB2}">
-      <thm15:themeFamily xmlns="" xmlns:thm15="http://schemas.microsoft.com/office/thememl/2012/main" name="Office Theme" id="{62F939B6-93AF-4DB8-9C6B-D6C7DFDC589F}" vid="{4A3C46E8-61CC-4603-A589-7422A47A8E4A}"/>
+      <thm15:themeFamily xmlns:thm15="http://schemas.microsoft.com/office/thememl/2012/main" xmlns="" name="Office Theme" id="{62F939B6-93AF-4DB8-9C6B-D6C7DFDC589F}" vid="{4A3C46E8-61CC-4603-A589-7422A47A8E4A}"/>
     </a:ext>
   </a:extLst>
 </a:theme>
@@ -34722,7 +34716,7 @@
   <a:extraClrSchemeLst/>
   <a:extLst>
     <a:ext uri="{05A4C25C-085E-4340-85A3-A5531E510DB2}">
-      <thm15:themeFamily xmlns:thm15="http://schemas.microsoft.com/office/thememl/2012/main" xmlns="" name="Office Theme" id="{62F939B6-93AF-4DB8-9C6B-D6C7DFDC589F}" vid="{4A3C46E8-61CC-4603-A589-7422A47A8E4A}"/>
+      <thm15:themeFamily xmlns="" xmlns:thm15="http://schemas.microsoft.com/office/thememl/2012/main" name="Office Theme" id="{62F939B6-93AF-4DB8-9C6B-D6C7DFDC589F}" vid="{4A3C46E8-61CC-4603-A589-7422A47A8E4A}"/>
     </a:ext>
   </a:extLst>
 </a:theme>
